--- a/RIZZBEE .pptx
+++ b/RIZZBEE .pptx
@@ -3491,7 +3491,7 @@
                   <a:srgbClr val="FFFFFF"/>
                 </a:solidFill>
               </a:rPr>
-              <a:t>RI22BEE </a:t>
+              <a:t>🎹 RIZZBEE </a:t>
             </a:r>
             <a:r>
               <a:rPr lang="fr-BE" dirty="0">
